--- a/Site-to-Site VPNs.pptx
+++ b/Site-to-Site VPNs.pptx
@@ -10,7 +10,11 @@
     <p:sldId id="258" r:id="rId4"/>
     <p:sldId id="261" r:id="rId5"/>
     <p:sldId id="260" r:id="rId6"/>
-    <p:sldId id="259" r:id="rId7"/>
+    <p:sldId id="262" r:id="rId7"/>
+    <p:sldId id="263" r:id="rId8"/>
+    <p:sldId id="264" r:id="rId9"/>
+    <p:sldId id="259" r:id="rId10"/>
+    <p:sldId id="265" r:id="rId11"/>
   </p:sldIdLst>
   <p:sldSz cx="12192000" cy="6858000"/>
   <p:notesSz cx="6858000" cy="9144000"/>
@@ -3435,6 +3439,108 @@
 </p:sld>
 </file>
 
+<file path=ppt/slides/slide10.xml><?xml version="1.0" encoding="utf-8"?>
+<p:sld xmlns:a="http://schemas.openxmlformats.org/drawingml/2006/main" xmlns:r="http://schemas.openxmlformats.org/officeDocument/2006/relationships" xmlns:p="http://schemas.openxmlformats.org/presentationml/2006/main">
+  <p:cSld>
+    <p:spTree>
+      <p:nvGrpSpPr>
+        <p:cNvPr id="1" name=""/>
+        <p:cNvGrpSpPr/>
+        <p:nvPr/>
+      </p:nvGrpSpPr>
+      <p:grpSpPr>
+        <a:xfrm>
+          <a:off x="0" y="0"/>
+          <a:ext cx="0" cy="0"/>
+          <a:chOff x="0" y="0"/>
+          <a:chExt cx="0" cy="0"/>
+        </a:xfrm>
+      </p:grpSpPr>
+      <p:sp>
+        <p:nvSpPr>
+          <p:cNvPr id="2" name="Title 1">
+            <a:extLst>
+              <a:ext uri="{FF2B5EF4-FFF2-40B4-BE49-F238E27FC236}">
+                <a16:creationId xmlns:a16="http://schemas.microsoft.com/office/drawing/2014/main" id="{2BF8C9C3-E939-F158-E0BF-7B27C310FA3A}"/>
+              </a:ext>
+            </a:extLst>
+          </p:cNvPr>
+          <p:cNvSpPr>
+            <a:spLocks noGrp="1"/>
+          </p:cNvSpPr>
+          <p:nvPr>
+            <p:ph type="title"/>
+          </p:nvPr>
+        </p:nvSpPr>
+        <p:spPr/>
+        <p:txBody>
+          <a:bodyPr/>
+          <a:lstStyle/>
+          <a:p>
+            <a:pPr algn="ctr"/>
+            <a:r>
+              <a:rPr lang="en-IN" dirty="0"/>
+              <a:t>Conclusion</a:t>
+            </a:r>
+          </a:p>
+        </p:txBody>
+      </p:sp>
+      <p:sp>
+        <p:nvSpPr>
+          <p:cNvPr id="3" name="Content Placeholder 2">
+            <a:extLst>
+              <a:ext uri="{FF2B5EF4-FFF2-40B4-BE49-F238E27FC236}">
+                <a16:creationId xmlns:a16="http://schemas.microsoft.com/office/drawing/2014/main" id="{08052D19-6585-C767-BDEC-291611026383}"/>
+              </a:ext>
+            </a:extLst>
+          </p:cNvPr>
+          <p:cNvSpPr>
+            <a:spLocks noGrp="1"/>
+          </p:cNvSpPr>
+          <p:nvPr>
+            <p:ph idx="1"/>
+          </p:nvPr>
+        </p:nvSpPr>
+        <p:spPr/>
+        <p:txBody>
+          <a:bodyPr>
+            <a:normAutofit/>
+          </a:bodyPr>
+          <a:lstStyle/>
+          <a:p>
+            <a:r>
+              <a:rPr lang="en-US" sz="2400" dirty="0"/>
+              <a:t>Site-to-Site VPNs play a crucial role in securely connecting on-premises infrastructure to cloud environments.</a:t>
+            </a:r>
+          </a:p>
+          <a:p>
+            <a:r>
+              <a:rPr lang="en-US" sz="2400" dirty="0"/>
+              <a:t>By implementing robust security measures and optimization techniques, organizations can leverage Site-to-Site VPNs to achieve seamless integration and enhanced flexibility in their IT infrastructure.</a:t>
+            </a:r>
+          </a:p>
+          <a:p>
+            <a:r>
+              <a:rPr lang="en-US" sz="2400" dirty="0"/>
+              <a:t>As the demand for cloud services continues to grow, Site-to-Site VPNs will remain a vital component of modern network architecture.</a:t>
+            </a:r>
+            <a:endParaRPr lang="en-IN" sz="2400" dirty="0"/>
+          </a:p>
+        </p:txBody>
+      </p:sp>
+    </p:spTree>
+    <p:extLst>
+      <p:ext uri="{BB962C8B-B14F-4D97-AF65-F5344CB8AC3E}">
+        <p14:creationId xmlns:p14="http://schemas.microsoft.com/office/powerpoint/2010/main" val="799700870"/>
+      </p:ext>
+    </p:extLst>
+  </p:cSld>
+  <p:clrMapOvr>
+    <a:masterClrMapping/>
+  </p:clrMapOvr>
+</p:sld>
+</file>
+
 <file path=ppt/slides/slide2.xml><?xml version="1.0" encoding="utf-8"?>
 <p:sld xmlns:a="http://schemas.openxmlformats.org/drawingml/2006/main" xmlns:r="http://schemas.openxmlformats.org/officeDocument/2006/relationships" xmlns:p="http://schemas.openxmlformats.org/presentationml/2006/main">
   <p:cSld>
@@ -4006,7 +4112,7 @@
           <a:p>
             <a:r>
               <a:rPr lang="en-US" sz="2400" dirty="0"/>
-              <a:t>The specific steps for creating a site-to-site VPN will vary depending on your cloud provider and on-premises VPN device.</a:t>
+              <a:t>The specific steps for creating a site-to-site VPN will vary depending on the cloud provider and on-premises VPN device.</a:t>
             </a:r>
           </a:p>
           <a:p>
@@ -4084,7 +4190,7 @@
         <p:spPr>
           <a:xfrm>
             <a:off x="7324165" y="2937483"/>
-            <a:ext cx="4029635" cy="3173506"/>
+            <a:ext cx="4706470" cy="3706542"/>
           </a:xfrm>
           <a:prstGeom prst="rect">
             <a:avLst/>
@@ -4105,6 +4211,427 @@
 </file>
 
 <file path=ppt/slides/slide6.xml><?xml version="1.0" encoding="utf-8"?>
+<p:sld xmlns:a="http://schemas.openxmlformats.org/drawingml/2006/main" xmlns:r="http://schemas.openxmlformats.org/officeDocument/2006/relationships" xmlns:p="http://schemas.openxmlformats.org/presentationml/2006/main">
+  <p:cSld>
+    <p:spTree>
+      <p:nvGrpSpPr>
+        <p:cNvPr id="1" name=""/>
+        <p:cNvGrpSpPr/>
+        <p:nvPr/>
+      </p:nvGrpSpPr>
+      <p:grpSpPr>
+        <a:xfrm>
+          <a:off x="0" y="0"/>
+          <a:ext cx="0" cy="0"/>
+          <a:chOff x="0" y="0"/>
+          <a:chExt cx="0" cy="0"/>
+        </a:xfrm>
+      </p:grpSpPr>
+      <p:sp>
+        <p:nvSpPr>
+          <p:cNvPr id="2" name="Title 1">
+            <a:extLst>
+              <a:ext uri="{FF2B5EF4-FFF2-40B4-BE49-F238E27FC236}">
+                <a16:creationId xmlns:a16="http://schemas.microsoft.com/office/drawing/2014/main" id="{A62C5815-FE9B-3F10-8B0D-0F542F0EDE30}"/>
+              </a:ext>
+            </a:extLst>
+          </p:cNvPr>
+          <p:cNvSpPr>
+            <a:spLocks noGrp="1"/>
+          </p:cNvSpPr>
+          <p:nvPr>
+            <p:ph type="title"/>
+          </p:nvPr>
+        </p:nvSpPr>
+        <p:spPr>
+          <a:xfrm>
+            <a:off x="838200" y="323055"/>
+            <a:ext cx="10515600" cy="1325563"/>
+          </a:xfrm>
+        </p:spPr>
+        <p:txBody>
+          <a:bodyPr/>
+          <a:lstStyle/>
+          <a:p>
+            <a:r>
+              <a:rPr lang="en-US" sz="4400" dirty="0"/>
+              <a:t>1. Planning &amp; Design:</a:t>
+            </a:r>
+            <a:endParaRPr lang="en-IN" dirty="0"/>
+          </a:p>
+        </p:txBody>
+      </p:sp>
+      <p:sp>
+        <p:nvSpPr>
+          <p:cNvPr id="3" name="Content Placeholder 2">
+            <a:extLst>
+              <a:ext uri="{FF2B5EF4-FFF2-40B4-BE49-F238E27FC236}">
+                <a16:creationId xmlns:a16="http://schemas.microsoft.com/office/drawing/2014/main" id="{000F8B26-0013-9533-10F5-949ACD8DBDE3}"/>
+              </a:ext>
+            </a:extLst>
+          </p:cNvPr>
+          <p:cNvSpPr>
+            <a:spLocks noGrp="1"/>
+          </p:cNvSpPr>
+          <p:nvPr>
+            <p:ph idx="1"/>
+          </p:nvPr>
+        </p:nvSpPr>
+        <p:spPr>
+          <a:xfrm>
+            <a:off x="838200" y="1529789"/>
+            <a:ext cx="10515600" cy="4351338"/>
+          </a:xfrm>
+        </p:spPr>
+        <p:txBody>
+          <a:bodyPr>
+            <a:noAutofit/>
+          </a:bodyPr>
+          <a:lstStyle/>
+          <a:p>
+            <a:r>
+              <a:rPr lang="en-US" sz="2400" dirty="0"/>
+              <a:t>Assess network requirements:</a:t>
+            </a:r>
+          </a:p>
+          <a:p>
+            <a:pPr lvl="1"/>
+            <a:r>
+              <a:rPr lang="en-US" dirty="0"/>
+              <a:t>Bandwidth: Analyze expected data traffic volume and identify peak usage periods.</a:t>
+            </a:r>
+          </a:p>
+          <a:p>
+            <a:pPr lvl="1"/>
+            <a:r>
+              <a:rPr lang="en-US" dirty="0"/>
+              <a:t>Security policies: Define encryption standards, authentication protocols, and access control rules.</a:t>
+            </a:r>
+          </a:p>
+          <a:p>
+            <a:pPr lvl="1"/>
+            <a:r>
+              <a:rPr lang="en-US" dirty="0"/>
+              <a:t>Compatibility: Ensure compatibility between on-premises devices and cloud environment.</a:t>
+            </a:r>
+          </a:p>
+          <a:p>
+            <a:r>
+              <a:rPr lang="en-US" sz="2400" dirty="0"/>
+              <a:t>Design VPN architecture:</a:t>
+            </a:r>
+          </a:p>
+          <a:p>
+            <a:pPr lvl="1"/>
+            <a:r>
+              <a:rPr lang="en-US" dirty="0"/>
+              <a:t>Choose deployment topology (hub-and-spoke, full mesh).</a:t>
+            </a:r>
+          </a:p>
+          <a:p>
+            <a:pPr lvl="1"/>
+            <a:r>
+              <a:rPr lang="en-US" dirty="0"/>
+              <a:t>Define redundancy options for high availability.</a:t>
+            </a:r>
+          </a:p>
+          <a:p>
+            <a:pPr lvl="1"/>
+            <a:r>
+              <a:rPr lang="en-US" dirty="0"/>
+              <a:t>Select appropriate VPN devices and configurations.</a:t>
+            </a:r>
+          </a:p>
+        </p:txBody>
+      </p:sp>
+    </p:spTree>
+    <p:extLst>
+      <p:ext uri="{BB962C8B-B14F-4D97-AF65-F5344CB8AC3E}">
+        <p14:creationId xmlns:p14="http://schemas.microsoft.com/office/powerpoint/2010/main" val="379227388"/>
+      </p:ext>
+    </p:extLst>
+  </p:cSld>
+  <p:clrMapOvr>
+    <a:masterClrMapping/>
+  </p:clrMapOvr>
+</p:sld>
+</file>
+
+<file path=ppt/slides/slide7.xml><?xml version="1.0" encoding="utf-8"?>
+<p:sld xmlns:a="http://schemas.openxmlformats.org/drawingml/2006/main" xmlns:r="http://schemas.openxmlformats.org/officeDocument/2006/relationships" xmlns:p="http://schemas.openxmlformats.org/presentationml/2006/main">
+  <p:cSld>
+    <p:spTree>
+      <p:nvGrpSpPr>
+        <p:cNvPr id="1" name=""/>
+        <p:cNvGrpSpPr/>
+        <p:nvPr/>
+      </p:nvGrpSpPr>
+      <p:grpSpPr>
+        <a:xfrm>
+          <a:off x="0" y="0"/>
+          <a:ext cx="0" cy="0"/>
+          <a:chOff x="0" y="0"/>
+          <a:chExt cx="0" cy="0"/>
+        </a:xfrm>
+      </p:grpSpPr>
+      <p:sp>
+        <p:nvSpPr>
+          <p:cNvPr id="2" name="Title 1">
+            <a:extLst>
+              <a:ext uri="{FF2B5EF4-FFF2-40B4-BE49-F238E27FC236}">
+                <a16:creationId xmlns:a16="http://schemas.microsoft.com/office/drawing/2014/main" id="{27D13172-D2D2-39DC-4698-6A9DA0CBCF2A}"/>
+              </a:ext>
+            </a:extLst>
+          </p:cNvPr>
+          <p:cNvSpPr>
+            <a:spLocks noGrp="1"/>
+          </p:cNvSpPr>
+          <p:nvPr>
+            <p:ph type="title"/>
+          </p:nvPr>
+        </p:nvSpPr>
+        <p:spPr>
+          <a:xfrm>
+            <a:off x="838200" y="681037"/>
+            <a:ext cx="10515600" cy="1325563"/>
+          </a:xfrm>
+        </p:spPr>
+        <p:txBody>
+          <a:bodyPr>
+            <a:normAutofit/>
+          </a:bodyPr>
+          <a:lstStyle/>
+          <a:p>
+            <a:r>
+              <a:rPr lang="en-IN" dirty="0"/>
+              <a:t>2. Configuration:</a:t>
+            </a:r>
+          </a:p>
+        </p:txBody>
+      </p:sp>
+      <p:sp>
+        <p:nvSpPr>
+          <p:cNvPr id="3" name="Content Placeholder 2">
+            <a:extLst>
+              <a:ext uri="{FF2B5EF4-FFF2-40B4-BE49-F238E27FC236}">
+                <a16:creationId xmlns:a16="http://schemas.microsoft.com/office/drawing/2014/main" id="{C1D7FE2C-3062-D9CB-DA76-70C94D0DB41E}"/>
+              </a:ext>
+            </a:extLst>
+          </p:cNvPr>
+          <p:cNvSpPr>
+            <a:spLocks noGrp="1"/>
+          </p:cNvSpPr>
+          <p:nvPr>
+            <p:ph idx="1"/>
+          </p:nvPr>
+        </p:nvSpPr>
+        <p:spPr/>
+        <p:txBody>
+          <a:bodyPr>
+            <a:normAutofit/>
+          </a:bodyPr>
+          <a:lstStyle/>
+          <a:p>
+            <a:r>
+              <a:rPr lang="en-US" sz="2400" dirty="0"/>
+              <a:t>On-premises VPN gateway/router:</a:t>
+            </a:r>
+          </a:p>
+          <a:p>
+            <a:pPr lvl="1"/>
+            <a:r>
+              <a:rPr lang="en-US" dirty="0"/>
+              <a:t>Configure tunnel endpoints, encryption settings, and authentication methods.</a:t>
+            </a:r>
+          </a:p>
+          <a:p>
+            <a:pPr lvl="1"/>
+            <a:r>
+              <a:rPr lang="en-US" dirty="0"/>
+              <a:t>Define routing policies for directing traffic through the VPN tunnel.</a:t>
+            </a:r>
+          </a:p>
+          <a:p>
+            <a:r>
+              <a:rPr lang="en-US" sz="2400" dirty="0"/>
+              <a:t>Cloud VPG:</a:t>
+            </a:r>
+          </a:p>
+          <a:p>
+            <a:pPr lvl="1"/>
+            <a:r>
+              <a:rPr lang="en-US" dirty="0"/>
+              <a:t>Configure tunnel settings on the cloud side, matching on-premises configurations.</a:t>
+            </a:r>
+          </a:p>
+          <a:p>
+            <a:pPr lvl="1"/>
+            <a:r>
+              <a:rPr lang="en-US" dirty="0"/>
+              <a:t>Set up routing and security policies as per cloud provider's guidelines.</a:t>
+            </a:r>
+            <a:endParaRPr lang="en-IN" dirty="0"/>
+          </a:p>
+        </p:txBody>
+      </p:sp>
+    </p:spTree>
+    <p:extLst>
+      <p:ext uri="{BB962C8B-B14F-4D97-AF65-F5344CB8AC3E}">
+        <p14:creationId xmlns:p14="http://schemas.microsoft.com/office/powerpoint/2010/main" val="2219653073"/>
+      </p:ext>
+    </p:extLst>
+  </p:cSld>
+  <p:clrMapOvr>
+    <a:masterClrMapping/>
+  </p:clrMapOvr>
+</p:sld>
+</file>
+
+<file path=ppt/slides/slide8.xml><?xml version="1.0" encoding="utf-8"?>
+<p:sld xmlns:a="http://schemas.openxmlformats.org/drawingml/2006/main" xmlns:r="http://schemas.openxmlformats.org/officeDocument/2006/relationships" xmlns:p="http://schemas.openxmlformats.org/presentationml/2006/main">
+  <p:cSld>
+    <p:spTree>
+      <p:nvGrpSpPr>
+        <p:cNvPr id="1" name=""/>
+        <p:cNvGrpSpPr/>
+        <p:nvPr/>
+      </p:nvGrpSpPr>
+      <p:grpSpPr>
+        <a:xfrm>
+          <a:off x="0" y="0"/>
+          <a:ext cx="0" cy="0"/>
+          <a:chOff x="0" y="0"/>
+          <a:chExt cx="0" cy="0"/>
+        </a:xfrm>
+      </p:grpSpPr>
+      <p:sp>
+        <p:nvSpPr>
+          <p:cNvPr id="2" name="Title 1">
+            <a:extLst>
+              <a:ext uri="{FF2B5EF4-FFF2-40B4-BE49-F238E27FC236}">
+                <a16:creationId xmlns:a16="http://schemas.microsoft.com/office/drawing/2014/main" id="{CBA3E752-EB07-20EC-D5F8-1945606EA817}"/>
+              </a:ext>
+            </a:extLst>
+          </p:cNvPr>
+          <p:cNvSpPr>
+            <a:spLocks noGrp="1"/>
+          </p:cNvSpPr>
+          <p:nvPr>
+            <p:ph type="title"/>
+          </p:nvPr>
+        </p:nvSpPr>
+        <p:spPr>
+          <a:xfrm>
+            <a:off x="838200" y="598207"/>
+            <a:ext cx="10515600" cy="1325563"/>
+          </a:xfrm>
+        </p:spPr>
+        <p:txBody>
+          <a:bodyPr>
+            <a:normAutofit/>
+          </a:bodyPr>
+          <a:lstStyle/>
+          <a:p>
+            <a:r>
+              <a:rPr lang="en-IN" dirty="0"/>
+              <a:t>3. Testing &amp; Troubleshooting:</a:t>
+            </a:r>
+          </a:p>
+        </p:txBody>
+      </p:sp>
+      <p:sp>
+        <p:nvSpPr>
+          <p:cNvPr id="3" name="Content Placeholder 2">
+            <a:extLst>
+              <a:ext uri="{FF2B5EF4-FFF2-40B4-BE49-F238E27FC236}">
+                <a16:creationId xmlns:a16="http://schemas.microsoft.com/office/drawing/2014/main" id="{77225071-EAB7-D079-C94D-0A9684292661}"/>
+              </a:ext>
+            </a:extLst>
+          </p:cNvPr>
+          <p:cNvSpPr>
+            <a:spLocks noGrp="1"/>
+          </p:cNvSpPr>
+          <p:nvPr>
+            <p:ph idx="1"/>
+          </p:nvPr>
+        </p:nvSpPr>
+        <p:spPr/>
+        <p:txBody>
+          <a:bodyPr>
+            <a:normAutofit/>
+          </a:bodyPr>
+          <a:lstStyle/>
+          <a:p>
+            <a:r>
+              <a:rPr lang="en-US" dirty="0"/>
+              <a:t>Conduct thorough testing:</a:t>
+            </a:r>
+          </a:p>
+          <a:p>
+            <a:pPr lvl="1"/>
+            <a:r>
+              <a:rPr lang="en-US" dirty="0"/>
+              <a:t>Verify tunnel establishment and data transfer functionality.</a:t>
+            </a:r>
+          </a:p>
+          <a:p>
+            <a:pPr lvl="1"/>
+            <a:r>
+              <a:rPr lang="en-US" dirty="0"/>
+              <a:t>Test performance metrics like latency and throughput.</a:t>
+            </a:r>
+          </a:p>
+          <a:p>
+            <a:pPr lvl="1"/>
+            <a:r>
+              <a:rPr lang="en-US" dirty="0"/>
+              <a:t>Validate security features like encryption and authentication.</a:t>
+            </a:r>
+          </a:p>
+          <a:p>
+            <a:r>
+              <a:rPr lang="en-US" dirty="0"/>
+              <a:t>Troubleshoot any issues:</a:t>
+            </a:r>
+          </a:p>
+          <a:p>
+            <a:pPr lvl="1"/>
+            <a:r>
+              <a:rPr lang="en-US" dirty="0"/>
+              <a:t>Analyze logs and identify connection errors or performance bottlenecks.</a:t>
+            </a:r>
+          </a:p>
+          <a:p>
+            <a:pPr lvl="1"/>
+            <a:r>
+              <a:rPr lang="en-US" dirty="0"/>
+              <a:t>Adjust configuration settings based on troubleshooting findings.</a:t>
+            </a:r>
+          </a:p>
+          <a:p>
+            <a:pPr lvl="1"/>
+            <a:r>
+              <a:rPr lang="en-US" dirty="0"/>
+              <a:t>Seek support from vendor or cloud provider if needed.</a:t>
+            </a:r>
+            <a:endParaRPr lang="en-IN" dirty="0"/>
+          </a:p>
+        </p:txBody>
+      </p:sp>
+    </p:spTree>
+    <p:extLst>
+      <p:ext uri="{BB962C8B-B14F-4D97-AF65-F5344CB8AC3E}">
+        <p14:creationId xmlns:p14="http://schemas.microsoft.com/office/powerpoint/2010/main" val="847413177"/>
+      </p:ext>
+    </p:extLst>
+  </p:cSld>
+  <p:clrMapOvr>
+    <a:masterClrMapping/>
+  </p:clrMapOvr>
+</p:sld>
+</file>
+
+<file path=ppt/slides/slide9.xml><?xml version="1.0" encoding="utf-8"?>
 <p:sld xmlns:a="http://schemas.openxmlformats.org/drawingml/2006/main" xmlns:r="http://schemas.openxmlformats.org/officeDocument/2006/relationships" xmlns:p="http://schemas.openxmlformats.org/presentationml/2006/main">
   <p:cSld>
     <p:spTree>
